--- a/06_FuncOOP/06_Quiz.pptx
+++ b/06_FuncOOP/06_Quiz.pptx
@@ -5,7 +5,7 @@
     <p:sldMasterId id="2147483648" r:id="rId1"/>
   </p:sldMasterIdLst>
   <p:notesMasterIdLst>
-    <p:notesMasterId r:id="rId12"/>
+    <p:notesMasterId r:id="rId15"/>
   </p:notesMasterIdLst>
   <p:sldIdLst>
     <p:sldId id="256" r:id="rId2"/>
@@ -17,7 +17,10 @@
     <p:sldId id="268" r:id="rId8"/>
     <p:sldId id="269" r:id="rId9"/>
     <p:sldId id="270" r:id="rId10"/>
-    <p:sldId id="259" r:id="rId11"/>
+    <p:sldId id="271" r:id="rId11"/>
+    <p:sldId id="272" r:id="rId12"/>
+    <p:sldId id="273" r:id="rId13"/>
+    <p:sldId id="259" r:id="rId14"/>
   </p:sldIdLst>
   <p:sldSz cx="9144000" cy="6858000" type="screen4x3"/>
   <p:notesSz cx="6858000" cy="9144000"/>
@@ -218,7 +221,7 @@
             <a:fld id="{6837EDA8-41C8-4B24-A206-13C08A65A6D7}" type="datetimeFigureOut">
               <a:rPr lang="zh-TW" altLang="en-US" smtClean="0"/>
               <a:pPr/>
-              <a:t>2019/6/15</a:t>
+              <a:t>2019/6/22</a:t>
             </a:fld>
             <a:endParaRPr lang="zh-TW" altLang="en-US"/>
           </a:p>
@@ -671,7 +674,7 @@
             <a:fld id="{8B85509C-BD4F-47BF-9B1E-FC2E949B3621}" type="datetime1">
               <a:rPr lang="zh-TW" altLang="en-US" smtClean="0"/>
               <a:pPr/>
-              <a:t>2019/6/15</a:t>
+              <a:t>2019/6/22</a:t>
             </a:fld>
             <a:endParaRPr lang="zh-TW" altLang="en-US"/>
           </a:p>
@@ -844,7 +847,7 @@
             <a:fld id="{42251B24-F787-4C15-8A0F-7AEC20C70069}" type="datetime1">
               <a:rPr lang="zh-TW" altLang="en-US" smtClean="0"/>
               <a:pPr/>
-              <a:t>2019/6/15</a:t>
+              <a:t>2019/6/22</a:t>
             </a:fld>
             <a:endParaRPr lang="zh-TW" altLang="en-US"/>
           </a:p>
@@ -1019,7 +1022,7 @@
             <a:fld id="{9CA0D33C-CE2B-45F1-B8D4-FFD1F131F331}" type="datetime1">
               <a:rPr lang="zh-TW" altLang="en-US" smtClean="0"/>
               <a:pPr/>
-              <a:t>2019/6/15</a:t>
+              <a:t>2019/6/22</a:t>
             </a:fld>
             <a:endParaRPr lang="zh-TW" altLang="en-US"/>
           </a:p>
@@ -1184,7 +1187,7 @@
             <a:fld id="{50B99440-D9EF-40CC-9B52-F6428D9B2C76}" type="datetime1">
               <a:rPr lang="zh-TW" altLang="en-US" smtClean="0"/>
               <a:pPr/>
-              <a:t>2019/6/15</a:t>
+              <a:t>2019/6/22</a:t>
             </a:fld>
             <a:endParaRPr lang="zh-TW" altLang="en-US"/>
           </a:p>
@@ -1426,7 +1429,7 @@
             <a:fld id="{0871BF52-5C6C-4959-8E27-CECB68D39FE4}" type="datetime1">
               <a:rPr lang="zh-TW" altLang="en-US" smtClean="0"/>
               <a:pPr/>
-              <a:t>2019/6/15</a:t>
+              <a:t>2019/6/22</a:t>
             </a:fld>
             <a:endParaRPr lang="zh-TW" altLang="en-US"/>
           </a:p>
@@ -1708,7 +1711,7 @@
             <a:fld id="{DF863F05-2DD9-4EB1-A827-12FD992DE9DC}" type="datetime1">
               <a:rPr lang="zh-TW" altLang="en-US" smtClean="0"/>
               <a:pPr/>
-              <a:t>2019/6/15</a:t>
+              <a:t>2019/6/22</a:t>
             </a:fld>
             <a:endParaRPr lang="zh-TW" altLang="en-US"/>
           </a:p>
@@ -2124,7 +2127,7 @@
             <a:fld id="{6339AF51-4491-4873-A096-75DB6CE47516}" type="datetime1">
               <a:rPr lang="zh-TW" altLang="en-US" smtClean="0"/>
               <a:pPr/>
-              <a:t>2019/6/15</a:t>
+              <a:t>2019/6/22</a:t>
             </a:fld>
             <a:endParaRPr lang="zh-TW" altLang="en-US"/>
           </a:p>
@@ -2238,7 +2241,7 @@
             <a:fld id="{EE4AD9C8-8B9E-40FF-ABE2-858AC2057BBB}" type="datetime1">
               <a:rPr lang="zh-TW" altLang="en-US" smtClean="0"/>
               <a:pPr/>
-              <a:t>2019/6/15</a:t>
+              <a:t>2019/6/22</a:t>
             </a:fld>
             <a:endParaRPr lang="zh-TW" altLang="en-US"/>
           </a:p>
@@ -2330,7 +2333,7 @@
             <a:fld id="{B4784999-BBBE-4BE4-A8D0-877E7D1D66CC}" type="datetime1">
               <a:rPr lang="zh-TW" altLang="en-US" smtClean="0"/>
               <a:pPr/>
-              <a:t>2019/6/15</a:t>
+              <a:t>2019/6/22</a:t>
             </a:fld>
             <a:endParaRPr lang="zh-TW" altLang="en-US"/>
           </a:p>
@@ -2602,7 +2605,7 @@
             <a:fld id="{E88D17E6-02BD-4944-B9FE-7BFCCBF83D48}" type="datetime1">
               <a:rPr lang="zh-TW" altLang="en-US" smtClean="0"/>
               <a:pPr/>
-              <a:t>2019/6/15</a:t>
+              <a:t>2019/6/22</a:t>
             </a:fld>
             <a:endParaRPr lang="zh-TW" altLang="en-US"/>
           </a:p>
@@ -2851,7 +2854,7 @@
             <a:fld id="{3C13E23D-1FEF-4D78-A3A3-3D6F2BB31954}" type="datetime1">
               <a:rPr lang="zh-TW" altLang="en-US" smtClean="0"/>
               <a:pPr/>
-              <a:t>2019/6/15</a:t>
+              <a:t>2019/6/22</a:t>
             </a:fld>
             <a:endParaRPr lang="zh-TW" altLang="en-US"/>
           </a:p>
@@ -3059,7 +3062,7 @@
             <a:fld id="{06197F35-AD6F-4594-8B50-334492D2E7E8}" type="datetime1">
               <a:rPr lang="zh-TW" altLang="en-US" smtClean="0"/>
               <a:pPr/>
-              <a:t>2019/6/15</a:t>
+              <a:t>2019/6/22</a:t>
             </a:fld>
             <a:endParaRPr lang="zh-TW" altLang="en-US"/>
           </a:p>
@@ -3462,7 +3465,7 @@
                   <a:srgbClr val="FFFF00"/>
                 </a:solidFill>
               </a:rPr>
-              <a:t>02 Quiz</a:t>
+              <a:t>06 Quiz</a:t>
             </a:r>
             <a:endParaRPr lang="zh-TW" altLang="en-US" sz="4800" b="1" dirty="0">
               <a:solidFill>
@@ -3520,7 +3523,7 @@
             <a:fld id="{C389EDC9-19E3-47AC-9C57-C6A24DEA81AD}" type="datetime1">
               <a:rPr lang="zh-TW" altLang="en-US" smtClean="0"/>
               <a:pPr/>
-              <a:t>2019/6/15</a:t>
+              <a:t>2019/6/22</a:t>
             </a:fld>
             <a:endParaRPr lang="zh-TW" altLang="en-US"/>
           </a:p>
@@ -3617,143 +3620,6 @@
         </p:nvSpPr>
         <p:spPr>
           <a:xfrm>
-            <a:off x="0" y="2130425"/>
-            <a:ext cx="9144000" cy="1470025"/>
-          </a:xfrm>
-          <a:gradFill flip="none" rotWithShape="1">
-            <a:gsLst>
-              <a:gs pos="0">
-                <a:srgbClr val="00B0F0">
-                  <a:shade val="30000"/>
-                  <a:satMod val="115000"/>
-                </a:srgbClr>
-              </a:gs>
-              <a:gs pos="50000">
-                <a:srgbClr val="00B0F0">
-                  <a:shade val="67500"/>
-                  <a:satMod val="115000"/>
-                </a:srgbClr>
-              </a:gs>
-              <a:gs pos="100000">
-                <a:srgbClr val="00B0F0">
-                  <a:shade val="100000"/>
-                  <a:satMod val="115000"/>
-                </a:srgbClr>
-              </a:gs>
-            </a:gsLst>
-            <a:path path="circle">
-              <a:fillToRect t="100000" r="100000"/>
-            </a:path>
-            <a:tileRect l="-100000" b="-100000"/>
-          </a:gradFill>
-        </p:spPr>
-        <p:txBody>
-          <a:bodyPr>
-            <a:normAutofit/>
-          </a:bodyPr>
-          <a:lstStyle/>
-          <a:p>
-            <a:r>
-              <a:rPr lang="en-US" altLang="zh-TW" sz="6000" b="1" dirty="0">
-                <a:solidFill>
-                  <a:srgbClr val="FFFF00"/>
-                </a:solidFill>
-              </a:rPr>
-              <a:t>End of Chapter</a:t>
-            </a:r>
-            <a:endParaRPr lang="zh-TW" altLang="en-US" sz="6000" b="1" dirty="0">
-              <a:solidFill>
-                <a:srgbClr val="FFFF00"/>
-              </a:solidFill>
-            </a:endParaRPr>
-          </a:p>
-        </p:txBody>
-      </p:sp>
-      <p:sp>
-        <p:nvSpPr>
-          <p:cNvPr id="5" name="日期版面配置區 4"/>
-          <p:cNvSpPr>
-            <a:spLocks noGrp="1"/>
-          </p:cNvSpPr>
-          <p:nvPr>
-            <p:ph type="dt" sz="half" idx="10"/>
-          </p:nvPr>
-        </p:nvSpPr>
-        <p:spPr/>
-        <p:txBody>
-          <a:bodyPr/>
-          <a:lstStyle/>
-          <a:p>
-            <a:fld id="{4E46BE27-E923-4EC2-B046-3272AE2A3E5C}" type="datetime1">
-              <a:rPr lang="zh-TW" altLang="en-US" smtClean="0"/>
-              <a:pPr/>
-              <a:t>2019/6/15</a:t>
-            </a:fld>
-            <a:endParaRPr lang="zh-TW" altLang="en-US"/>
-          </a:p>
-        </p:txBody>
-      </p:sp>
-      <p:sp>
-        <p:nvSpPr>
-          <p:cNvPr id="6" name="投影片編號版面配置區 5"/>
-          <p:cNvSpPr>
-            <a:spLocks noGrp="1"/>
-          </p:cNvSpPr>
-          <p:nvPr>
-            <p:ph type="sldNum" sz="quarter" idx="12"/>
-          </p:nvPr>
-        </p:nvSpPr>
-        <p:spPr/>
-        <p:txBody>
-          <a:bodyPr/>
-          <a:lstStyle/>
-          <a:p>
-            <a:fld id="{E4D7E63D-91F2-4366-A2C4-1B00C9E2590E}" type="slidenum">
-              <a:rPr lang="zh-TW" altLang="en-US" smtClean="0"/>
-              <a:pPr/>
-              <a:t>10</a:t>
-            </a:fld>
-            <a:endParaRPr lang="zh-TW" altLang="en-US"/>
-          </a:p>
-        </p:txBody>
-      </p:sp>
-    </p:spTree>
-  </p:cSld>
-  <p:clrMapOvr>
-    <a:masterClrMapping/>
-  </p:clrMapOvr>
-</p:sld>
-</file>
-
-<file path=ppt/slides/slide2.xml><?xml version="1.0" encoding="utf-8"?>
-<p:sld xmlns:a="http://schemas.openxmlformats.org/drawingml/2006/main" xmlns:r="http://schemas.openxmlformats.org/officeDocument/2006/relationships" xmlns:p="http://schemas.openxmlformats.org/presentationml/2006/main">
-  <p:cSld>
-    <p:spTree>
-      <p:nvGrpSpPr>
-        <p:cNvPr id="1" name=""/>
-        <p:cNvGrpSpPr/>
-        <p:nvPr/>
-      </p:nvGrpSpPr>
-      <p:grpSpPr>
-        <a:xfrm>
-          <a:off x="0" y="0"/>
-          <a:ext cx="0" cy="0"/>
-          <a:chOff x="0" y="0"/>
-          <a:chExt cx="0" cy="0"/>
-        </a:xfrm>
-      </p:grpSpPr>
-      <p:sp>
-        <p:nvSpPr>
-          <p:cNvPr id="2" name="標題 1"/>
-          <p:cNvSpPr>
-            <a:spLocks noGrp="1"/>
-          </p:cNvSpPr>
-          <p:nvPr>
-            <p:ph type="ctrTitle"/>
-          </p:nvPr>
-        </p:nvSpPr>
-        <p:spPr>
-          <a:xfrm>
             <a:off x="0" y="1"/>
             <a:ext cx="9144000" cy="764704"/>
           </a:xfrm>
@@ -3795,7 +3661,7 @@
                   <a:srgbClr val="FFFF00"/>
                 </a:solidFill>
               </a:rPr>
-              <a:t>02 Quiz</a:t>
+              <a:t>06 Quiz</a:t>
             </a:r>
             <a:endParaRPr lang="zh-TW" altLang="en-US" b="1" dirty="0">
               <a:solidFill>
@@ -3947,7 +3813,7 @@
             <a:fld id="{A4F910E6-8D00-4BAF-8C48-9688E0B449D3}" type="datetime1">
               <a:rPr lang="zh-TW" altLang="en-US" smtClean="0"/>
               <a:pPr/>
-              <a:t>2019/6/15</a:t>
+              <a:t>2019/6/22</a:t>
             </a:fld>
             <a:endParaRPr lang="zh-TW" altLang="en-US"/>
           </a:p>
@@ -3976,7 +3842,7 @@
             <a:fld id="{E4D7E63D-91F2-4366-A2C4-1B00C9E2590E}" type="slidenum">
               <a:rPr lang="zh-TW" altLang="en-US" smtClean="0"/>
               <a:pPr/>
-              <a:t>2</a:t>
+              <a:t>10</a:t>
             </a:fld>
             <a:endParaRPr lang="zh-TW" altLang="en-US"/>
           </a:p>
@@ -3984,10 +3850,10 @@
       </p:sp>
       <p:pic>
         <p:nvPicPr>
-          <p:cNvPr id="51" name="Picture 50">
+          <p:cNvPr id="7" name="Picture 6">
             <a:extLst>
               <a:ext uri="{FF2B5EF4-FFF2-40B4-BE49-F238E27FC236}">
-                <a16:creationId xmlns:a16="http://schemas.microsoft.com/office/drawing/2014/main" id="{B21FEC44-5EA3-4CA9-905F-5E587969A677}"/>
+                <a16:creationId xmlns:a16="http://schemas.microsoft.com/office/drawing/2014/main" id="{BBFCBF11-EE94-4EE1-8E6F-C76B13ED5CAD}"/>
               </a:ext>
             </a:extLst>
           </p:cNvPr>
@@ -4004,8 +3870,8 @@
         </p:blipFill>
         <p:spPr>
           <a:xfrm>
-            <a:off x="1554767" y="1955472"/>
-            <a:ext cx="6034466" cy="4805124"/>
+            <a:off x="1455702" y="2103494"/>
+            <a:ext cx="6162675" cy="4400550"/>
           </a:xfrm>
           <a:prstGeom prst="rect">
             <a:avLst/>
@@ -4018,6 +3884,11 @@
         </p:spPr>
       </p:pic>
     </p:spTree>
+    <p:extLst>
+      <p:ext uri="{BB962C8B-B14F-4D97-AF65-F5344CB8AC3E}">
+        <p14:creationId xmlns:p14="http://schemas.microsoft.com/office/powerpoint/2010/main" val="4151912033"/>
+      </p:ext>
+    </p:extLst>
   </p:cSld>
   <p:clrMapOvr>
     <a:masterClrMapping/>
@@ -4025,7 +3896,7 @@
 </p:sld>
 </file>
 
-<file path=ppt/slides/slide3.xml><?xml version="1.0" encoding="utf-8"?>
+<file path=ppt/slides/slide11.xml><?xml version="1.0" encoding="utf-8"?>
 <p:sld xmlns:a="http://schemas.openxmlformats.org/drawingml/2006/main" xmlns:r="http://schemas.openxmlformats.org/officeDocument/2006/relationships" xmlns:p="http://schemas.openxmlformats.org/presentationml/2006/main">
   <p:cSld>
     <p:spTree>
@@ -4095,7 +3966,7 @@
                   <a:srgbClr val="FFFF00"/>
                 </a:solidFill>
               </a:rPr>
-              <a:t>02 Quiz</a:t>
+              <a:t>06 Quiz</a:t>
             </a:r>
             <a:endParaRPr lang="zh-TW" altLang="en-US" b="1" dirty="0">
               <a:solidFill>
@@ -4247,7 +4118,7 @@
             <a:fld id="{A4F910E6-8D00-4BAF-8C48-9688E0B449D3}" type="datetime1">
               <a:rPr lang="zh-TW" altLang="en-US" smtClean="0"/>
               <a:pPr/>
-              <a:t>2019/6/15</a:t>
+              <a:t>2019/6/22</a:t>
             </a:fld>
             <a:endParaRPr lang="zh-TW" altLang="en-US"/>
           </a:p>
@@ -4276,7 +4147,7 @@
             <a:fld id="{E4D7E63D-91F2-4366-A2C4-1B00C9E2590E}" type="slidenum">
               <a:rPr lang="zh-TW" altLang="en-US" smtClean="0"/>
               <a:pPr/>
-              <a:t>3</a:t>
+              <a:t>11</a:t>
             </a:fld>
             <a:endParaRPr lang="zh-TW" altLang="en-US"/>
           </a:p>
@@ -4284,10 +4155,10 @@
       </p:sp>
       <p:pic>
         <p:nvPicPr>
-          <p:cNvPr id="7" name="Picture 6">
+          <p:cNvPr id="8" name="Picture 7">
             <a:extLst>
               <a:ext uri="{FF2B5EF4-FFF2-40B4-BE49-F238E27FC236}">
-                <a16:creationId xmlns:a16="http://schemas.microsoft.com/office/drawing/2014/main" id="{503547E8-8575-42A7-A9FF-DC14BDA7A37E}"/>
+                <a16:creationId xmlns:a16="http://schemas.microsoft.com/office/drawing/2014/main" id="{0C5C45E3-94D6-4737-9589-0572184C970D}"/>
               </a:ext>
             </a:extLst>
           </p:cNvPr>
@@ -4304,8 +4175,1055 @@
         </p:blipFill>
         <p:spPr>
           <a:xfrm>
-            <a:off x="2256163" y="1501412"/>
-            <a:ext cx="4689783" cy="5124995"/>
+            <a:off x="1527117" y="2204902"/>
+            <a:ext cx="6134100" cy="3543300"/>
+          </a:xfrm>
+          <a:prstGeom prst="rect">
+            <a:avLst/>
+          </a:prstGeom>
+          <a:ln>
+            <a:solidFill>
+              <a:srgbClr val="C00000"/>
+            </a:solidFill>
+          </a:ln>
+        </p:spPr>
+      </p:pic>
+    </p:spTree>
+    <p:extLst>
+      <p:ext uri="{BB962C8B-B14F-4D97-AF65-F5344CB8AC3E}">
+        <p14:creationId xmlns:p14="http://schemas.microsoft.com/office/powerpoint/2010/main" val="2724080601"/>
+      </p:ext>
+    </p:extLst>
+  </p:cSld>
+  <p:clrMapOvr>
+    <a:masterClrMapping/>
+  </p:clrMapOvr>
+</p:sld>
+</file>
+
+<file path=ppt/slides/slide12.xml><?xml version="1.0" encoding="utf-8"?>
+<p:sld xmlns:a="http://schemas.openxmlformats.org/drawingml/2006/main" xmlns:r="http://schemas.openxmlformats.org/officeDocument/2006/relationships" xmlns:p="http://schemas.openxmlformats.org/presentationml/2006/main">
+  <p:cSld>
+    <p:spTree>
+      <p:nvGrpSpPr>
+        <p:cNvPr id="1" name=""/>
+        <p:cNvGrpSpPr/>
+        <p:nvPr/>
+      </p:nvGrpSpPr>
+      <p:grpSpPr>
+        <a:xfrm>
+          <a:off x="0" y="0"/>
+          <a:ext cx="0" cy="0"/>
+          <a:chOff x="0" y="0"/>
+          <a:chExt cx="0" cy="0"/>
+        </a:xfrm>
+      </p:grpSpPr>
+      <p:sp>
+        <p:nvSpPr>
+          <p:cNvPr id="2" name="標題 1"/>
+          <p:cNvSpPr>
+            <a:spLocks noGrp="1"/>
+          </p:cNvSpPr>
+          <p:nvPr>
+            <p:ph type="ctrTitle"/>
+          </p:nvPr>
+        </p:nvSpPr>
+        <p:spPr>
+          <a:xfrm>
+            <a:off x="0" y="1"/>
+            <a:ext cx="9144000" cy="764704"/>
+          </a:xfrm>
+          <a:gradFill flip="none" rotWithShape="1">
+            <a:gsLst>
+              <a:gs pos="0">
+                <a:srgbClr val="C00000">
+                  <a:shade val="30000"/>
+                  <a:satMod val="115000"/>
+                </a:srgbClr>
+              </a:gs>
+              <a:gs pos="50000">
+                <a:srgbClr val="C00000">
+                  <a:shade val="67500"/>
+                  <a:satMod val="115000"/>
+                </a:srgbClr>
+              </a:gs>
+              <a:gs pos="100000">
+                <a:srgbClr val="C00000">
+                  <a:shade val="100000"/>
+                  <a:satMod val="115000"/>
+                </a:srgbClr>
+              </a:gs>
+            </a:gsLst>
+            <a:path path="circle">
+              <a:fillToRect t="100000" r="100000"/>
+            </a:path>
+            <a:tileRect l="-100000" b="-100000"/>
+          </a:gradFill>
+        </p:spPr>
+        <p:txBody>
+          <a:bodyPr/>
+          <a:lstStyle/>
+          <a:p>
+            <a:pPr algn="l"/>
+            <a:r>
+              <a:rPr lang="en-US" altLang="zh-TW" b="1" dirty="0">
+                <a:solidFill>
+                  <a:srgbClr val="FFFF00"/>
+                </a:solidFill>
+              </a:rPr>
+              <a:t>06 Quiz</a:t>
+            </a:r>
+            <a:endParaRPr lang="zh-TW" altLang="en-US" b="1" dirty="0">
+              <a:solidFill>
+                <a:srgbClr val="FFFF00"/>
+              </a:solidFill>
+            </a:endParaRPr>
+          </a:p>
+        </p:txBody>
+      </p:sp>
+      <p:sp>
+        <p:nvSpPr>
+          <p:cNvPr id="3" name="副標題 2"/>
+          <p:cNvSpPr>
+            <a:spLocks noGrp="1"/>
+          </p:cNvSpPr>
+          <p:nvPr>
+            <p:ph type="subTitle" idx="1"/>
+          </p:nvPr>
+        </p:nvSpPr>
+        <p:spPr>
+          <a:xfrm>
+            <a:off x="501534" y="1372852"/>
+            <a:ext cx="8185266" cy="398616"/>
+          </a:xfrm>
+          <a:ln>
+            <a:solidFill>
+              <a:srgbClr val="C00000"/>
+            </a:solidFill>
+          </a:ln>
+        </p:spPr>
+        <p:txBody>
+          <a:bodyPr>
+            <a:noAutofit/>
+          </a:bodyPr>
+          <a:lstStyle/>
+          <a:p>
+            <a:pPr marL="342900" indent="-342900" algn="l">
+              <a:buClr>
+                <a:srgbClr val="0070C0"/>
+              </a:buClr>
+              <a:buSzPct val="80000"/>
+              <a:buFont typeface="Wingdings" pitchFamily="2" charset="2"/>
+              <a:buChar char="u"/>
+            </a:pPr>
+            <a:r>
+              <a:rPr lang="en-US" sz="1800" dirty="0">
+                <a:solidFill>
+                  <a:schemeClr val="tx1"/>
+                </a:solidFill>
+              </a:rPr>
+              <a:t>Quiz:</a:t>
+            </a:r>
+          </a:p>
+          <a:p>
+            <a:pPr algn="l">
+              <a:buClr>
+                <a:srgbClr val="0070C0"/>
+              </a:buClr>
+              <a:buSzPct val="80000"/>
+            </a:pPr>
+            <a:endParaRPr lang="en-US" sz="1800" dirty="0">
+              <a:solidFill>
+                <a:schemeClr val="tx1"/>
+              </a:solidFill>
+            </a:endParaRPr>
+          </a:p>
+        </p:txBody>
+      </p:sp>
+      <p:sp>
+        <p:nvSpPr>
+          <p:cNvPr id="4" name="標題 1"/>
+          <p:cNvSpPr txBox="1">
+            <a:spLocks/>
+          </p:cNvSpPr>
+          <p:nvPr/>
+        </p:nvSpPr>
+        <p:spPr>
+          <a:xfrm>
+            <a:off x="0" y="764704"/>
+            <a:ext cx="9144000" cy="398616"/>
+          </a:xfrm>
+          <a:prstGeom prst="rect">
+            <a:avLst/>
+          </a:prstGeom>
+          <a:gradFill flip="none" rotWithShape="1">
+            <a:gsLst>
+              <a:gs pos="0">
+                <a:srgbClr val="00B0F0">
+                  <a:shade val="30000"/>
+                  <a:satMod val="115000"/>
+                </a:srgbClr>
+              </a:gs>
+              <a:gs pos="50000">
+                <a:srgbClr val="00B0F0">
+                  <a:shade val="67500"/>
+                  <a:satMod val="115000"/>
+                </a:srgbClr>
+              </a:gs>
+              <a:gs pos="100000">
+                <a:srgbClr val="00B0F0">
+                  <a:shade val="100000"/>
+                  <a:satMod val="115000"/>
+                </a:srgbClr>
+              </a:gs>
+            </a:gsLst>
+            <a:path path="circle">
+              <a:fillToRect t="100000" r="100000"/>
+            </a:path>
+            <a:tileRect l="-100000" b="-100000"/>
+          </a:gradFill>
+        </p:spPr>
+        <p:txBody>
+          <a:bodyPr vert="horz" lIns="91440" tIns="45720" rIns="91440" bIns="45720" rtlCol="0" anchor="ctr">
+            <a:normAutofit/>
+          </a:bodyPr>
+          <a:lstStyle/>
+          <a:p>
+            <a:pPr marL="0" lvl="1"/>
+            <a:r>
+              <a:rPr lang="en-US" sz="1600" dirty="0">
+                <a:hlinkClick r:id="rId2"/>
+              </a:rPr>
+              <a:t>https://www.ucsc-extension.edu/certificate-program/offering/python-programmers</a:t>
+            </a:r>
+            <a:endParaRPr lang="en-US" sz="1600" dirty="0"/>
+          </a:p>
+        </p:txBody>
+      </p:sp>
+      <p:sp>
+        <p:nvSpPr>
+          <p:cNvPr id="5" name="日期版面配置區 4"/>
+          <p:cNvSpPr>
+            <a:spLocks noGrp="1"/>
+          </p:cNvSpPr>
+          <p:nvPr>
+            <p:ph type="dt" sz="half" idx="10"/>
+          </p:nvPr>
+        </p:nvSpPr>
+        <p:spPr>
+          <a:xfrm>
+            <a:off x="457200" y="6356350"/>
+            <a:ext cx="2133600" cy="404246"/>
+          </a:xfrm>
+        </p:spPr>
+        <p:txBody>
+          <a:bodyPr/>
+          <a:lstStyle/>
+          <a:p>
+            <a:fld id="{A4F910E6-8D00-4BAF-8C48-9688E0B449D3}" type="datetime1">
+              <a:rPr lang="zh-TW" altLang="en-US" smtClean="0"/>
+              <a:pPr/>
+              <a:t>2019/6/22</a:t>
+            </a:fld>
+            <a:endParaRPr lang="zh-TW" altLang="en-US"/>
+          </a:p>
+        </p:txBody>
+      </p:sp>
+      <p:sp>
+        <p:nvSpPr>
+          <p:cNvPr id="6" name="投影片編號版面配置區 5"/>
+          <p:cNvSpPr>
+            <a:spLocks noGrp="1"/>
+          </p:cNvSpPr>
+          <p:nvPr>
+            <p:ph type="sldNum" sz="quarter" idx="12"/>
+          </p:nvPr>
+        </p:nvSpPr>
+        <p:spPr>
+          <a:xfrm>
+            <a:off x="6553200" y="6356350"/>
+            <a:ext cx="2133600" cy="404246"/>
+          </a:xfrm>
+        </p:spPr>
+        <p:txBody>
+          <a:bodyPr/>
+          <a:lstStyle/>
+          <a:p>
+            <a:fld id="{E4D7E63D-91F2-4366-A2C4-1B00C9E2590E}" type="slidenum">
+              <a:rPr lang="zh-TW" altLang="en-US" smtClean="0"/>
+              <a:pPr/>
+              <a:t>12</a:t>
+            </a:fld>
+            <a:endParaRPr lang="zh-TW" altLang="en-US"/>
+          </a:p>
+        </p:txBody>
+      </p:sp>
+      <p:pic>
+        <p:nvPicPr>
+          <p:cNvPr id="7" name="Picture 6">
+            <a:extLst>
+              <a:ext uri="{FF2B5EF4-FFF2-40B4-BE49-F238E27FC236}">
+                <a16:creationId xmlns:a16="http://schemas.microsoft.com/office/drawing/2014/main" id="{646B5F3F-AC1B-4174-B63A-738F0E8A0ED1}"/>
+              </a:ext>
+            </a:extLst>
+          </p:cNvPr>
+          <p:cNvPicPr>
+            <a:picLocks noChangeAspect="1"/>
+          </p:cNvPicPr>
+          <p:nvPr/>
+        </p:nvPicPr>
+        <p:blipFill>
+          <a:blip r:embed="rId3"/>
+          <a:stretch>
+            <a:fillRect/>
+          </a:stretch>
+        </p:blipFill>
+        <p:spPr>
+          <a:xfrm>
+            <a:off x="1453344" y="1981000"/>
+            <a:ext cx="6237312" cy="4244837"/>
+          </a:xfrm>
+          <a:prstGeom prst="rect">
+            <a:avLst/>
+          </a:prstGeom>
+          <a:ln>
+            <a:solidFill>
+              <a:srgbClr val="C00000"/>
+            </a:solidFill>
+          </a:ln>
+        </p:spPr>
+      </p:pic>
+    </p:spTree>
+    <p:extLst>
+      <p:ext uri="{BB962C8B-B14F-4D97-AF65-F5344CB8AC3E}">
+        <p14:creationId xmlns:p14="http://schemas.microsoft.com/office/powerpoint/2010/main" val="1759946147"/>
+      </p:ext>
+    </p:extLst>
+  </p:cSld>
+  <p:clrMapOvr>
+    <a:masterClrMapping/>
+  </p:clrMapOvr>
+</p:sld>
+</file>
+
+<file path=ppt/slides/slide13.xml><?xml version="1.0" encoding="utf-8"?>
+<p:sld xmlns:a="http://schemas.openxmlformats.org/drawingml/2006/main" xmlns:r="http://schemas.openxmlformats.org/officeDocument/2006/relationships" xmlns:p="http://schemas.openxmlformats.org/presentationml/2006/main">
+  <p:cSld>
+    <p:spTree>
+      <p:nvGrpSpPr>
+        <p:cNvPr id="1" name=""/>
+        <p:cNvGrpSpPr/>
+        <p:nvPr/>
+      </p:nvGrpSpPr>
+      <p:grpSpPr>
+        <a:xfrm>
+          <a:off x="0" y="0"/>
+          <a:ext cx="0" cy="0"/>
+          <a:chOff x="0" y="0"/>
+          <a:chExt cx="0" cy="0"/>
+        </a:xfrm>
+      </p:grpSpPr>
+      <p:sp>
+        <p:nvSpPr>
+          <p:cNvPr id="2" name="標題 1"/>
+          <p:cNvSpPr>
+            <a:spLocks noGrp="1"/>
+          </p:cNvSpPr>
+          <p:nvPr>
+            <p:ph type="ctrTitle"/>
+          </p:nvPr>
+        </p:nvSpPr>
+        <p:spPr>
+          <a:xfrm>
+            <a:off x="0" y="2130425"/>
+            <a:ext cx="9144000" cy="1470025"/>
+          </a:xfrm>
+          <a:gradFill flip="none" rotWithShape="1">
+            <a:gsLst>
+              <a:gs pos="0">
+                <a:srgbClr val="00B0F0">
+                  <a:shade val="30000"/>
+                  <a:satMod val="115000"/>
+                </a:srgbClr>
+              </a:gs>
+              <a:gs pos="50000">
+                <a:srgbClr val="00B0F0">
+                  <a:shade val="67500"/>
+                  <a:satMod val="115000"/>
+                </a:srgbClr>
+              </a:gs>
+              <a:gs pos="100000">
+                <a:srgbClr val="00B0F0">
+                  <a:shade val="100000"/>
+                  <a:satMod val="115000"/>
+                </a:srgbClr>
+              </a:gs>
+            </a:gsLst>
+            <a:path path="circle">
+              <a:fillToRect t="100000" r="100000"/>
+            </a:path>
+            <a:tileRect l="-100000" b="-100000"/>
+          </a:gradFill>
+        </p:spPr>
+        <p:txBody>
+          <a:bodyPr>
+            <a:normAutofit/>
+          </a:bodyPr>
+          <a:lstStyle/>
+          <a:p>
+            <a:r>
+              <a:rPr lang="en-US" altLang="zh-TW" sz="6000" b="1" dirty="0">
+                <a:solidFill>
+                  <a:srgbClr val="FFFF00"/>
+                </a:solidFill>
+              </a:rPr>
+              <a:t>End of Chapter</a:t>
+            </a:r>
+            <a:endParaRPr lang="zh-TW" altLang="en-US" sz="6000" b="1" dirty="0">
+              <a:solidFill>
+                <a:srgbClr val="FFFF00"/>
+              </a:solidFill>
+            </a:endParaRPr>
+          </a:p>
+        </p:txBody>
+      </p:sp>
+      <p:sp>
+        <p:nvSpPr>
+          <p:cNvPr id="5" name="日期版面配置區 4"/>
+          <p:cNvSpPr>
+            <a:spLocks noGrp="1"/>
+          </p:cNvSpPr>
+          <p:nvPr>
+            <p:ph type="dt" sz="half" idx="10"/>
+          </p:nvPr>
+        </p:nvSpPr>
+        <p:spPr/>
+        <p:txBody>
+          <a:bodyPr/>
+          <a:lstStyle/>
+          <a:p>
+            <a:fld id="{4E46BE27-E923-4EC2-B046-3272AE2A3E5C}" type="datetime1">
+              <a:rPr lang="zh-TW" altLang="en-US" smtClean="0"/>
+              <a:pPr/>
+              <a:t>2019/6/22</a:t>
+            </a:fld>
+            <a:endParaRPr lang="zh-TW" altLang="en-US"/>
+          </a:p>
+        </p:txBody>
+      </p:sp>
+      <p:sp>
+        <p:nvSpPr>
+          <p:cNvPr id="6" name="投影片編號版面配置區 5"/>
+          <p:cNvSpPr>
+            <a:spLocks noGrp="1"/>
+          </p:cNvSpPr>
+          <p:nvPr>
+            <p:ph type="sldNum" sz="quarter" idx="12"/>
+          </p:nvPr>
+        </p:nvSpPr>
+        <p:spPr/>
+        <p:txBody>
+          <a:bodyPr/>
+          <a:lstStyle/>
+          <a:p>
+            <a:fld id="{E4D7E63D-91F2-4366-A2C4-1B00C9E2590E}" type="slidenum">
+              <a:rPr lang="zh-TW" altLang="en-US" smtClean="0"/>
+              <a:pPr/>
+              <a:t>13</a:t>
+            </a:fld>
+            <a:endParaRPr lang="zh-TW" altLang="en-US"/>
+          </a:p>
+        </p:txBody>
+      </p:sp>
+    </p:spTree>
+  </p:cSld>
+  <p:clrMapOvr>
+    <a:masterClrMapping/>
+  </p:clrMapOvr>
+</p:sld>
+</file>
+
+<file path=ppt/slides/slide2.xml><?xml version="1.0" encoding="utf-8"?>
+<p:sld xmlns:a="http://schemas.openxmlformats.org/drawingml/2006/main" xmlns:r="http://schemas.openxmlformats.org/officeDocument/2006/relationships" xmlns:p="http://schemas.openxmlformats.org/presentationml/2006/main">
+  <p:cSld>
+    <p:spTree>
+      <p:nvGrpSpPr>
+        <p:cNvPr id="1" name=""/>
+        <p:cNvGrpSpPr/>
+        <p:nvPr/>
+      </p:nvGrpSpPr>
+      <p:grpSpPr>
+        <a:xfrm>
+          <a:off x="0" y="0"/>
+          <a:ext cx="0" cy="0"/>
+          <a:chOff x="0" y="0"/>
+          <a:chExt cx="0" cy="0"/>
+        </a:xfrm>
+      </p:grpSpPr>
+      <p:sp>
+        <p:nvSpPr>
+          <p:cNvPr id="2" name="標題 1"/>
+          <p:cNvSpPr>
+            <a:spLocks noGrp="1"/>
+          </p:cNvSpPr>
+          <p:nvPr>
+            <p:ph type="ctrTitle"/>
+          </p:nvPr>
+        </p:nvSpPr>
+        <p:spPr>
+          <a:xfrm>
+            <a:off x="0" y="1"/>
+            <a:ext cx="9144000" cy="764704"/>
+          </a:xfrm>
+          <a:gradFill flip="none" rotWithShape="1">
+            <a:gsLst>
+              <a:gs pos="0">
+                <a:srgbClr val="C00000">
+                  <a:shade val="30000"/>
+                  <a:satMod val="115000"/>
+                </a:srgbClr>
+              </a:gs>
+              <a:gs pos="50000">
+                <a:srgbClr val="C00000">
+                  <a:shade val="67500"/>
+                  <a:satMod val="115000"/>
+                </a:srgbClr>
+              </a:gs>
+              <a:gs pos="100000">
+                <a:srgbClr val="C00000">
+                  <a:shade val="100000"/>
+                  <a:satMod val="115000"/>
+                </a:srgbClr>
+              </a:gs>
+            </a:gsLst>
+            <a:path path="circle">
+              <a:fillToRect t="100000" r="100000"/>
+            </a:path>
+            <a:tileRect l="-100000" b="-100000"/>
+          </a:gradFill>
+        </p:spPr>
+        <p:txBody>
+          <a:bodyPr/>
+          <a:lstStyle/>
+          <a:p>
+            <a:pPr algn="l"/>
+            <a:r>
+              <a:rPr lang="en-US" altLang="zh-TW" b="1" dirty="0">
+                <a:solidFill>
+                  <a:srgbClr val="FFFF00"/>
+                </a:solidFill>
+              </a:rPr>
+              <a:t>06 Quiz</a:t>
+            </a:r>
+            <a:endParaRPr lang="zh-TW" altLang="en-US" b="1" dirty="0">
+              <a:solidFill>
+                <a:srgbClr val="FFFF00"/>
+              </a:solidFill>
+            </a:endParaRPr>
+          </a:p>
+        </p:txBody>
+      </p:sp>
+      <p:sp>
+        <p:nvSpPr>
+          <p:cNvPr id="3" name="副標題 2"/>
+          <p:cNvSpPr>
+            <a:spLocks noGrp="1"/>
+          </p:cNvSpPr>
+          <p:nvPr>
+            <p:ph type="subTitle" idx="1"/>
+          </p:nvPr>
+        </p:nvSpPr>
+        <p:spPr>
+          <a:xfrm>
+            <a:off x="501534" y="1372852"/>
+            <a:ext cx="8185266" cy="398616"/>
+          </a:xfrm>
+          <a:ln>
+            <a:solidFill>
+              <a:srgbClr val="C00000"/>
+            </a:solidFill>
+          </a:ln>
+        </p:spPr>
+        <p:txBody>
+          <a:bodyPr>
+            <a:noAutofit/>
+          </a:bodyPr>
+          <a:lstStyle/>
+          <a:p>
+            <a:pPr marL="342900" indent="-342900" algn="l">
+              <a:buClr>
+                <a:srgbClr val="0070C0"/>
+              </a:buClr>
+              <a:buSzPct val="80000"/>
+              <a:buFont typeface="Wingdings" pitchFamily="2" charset="2"/>
+              <a:buChar char="u"/>
+            </a:pPr>
+            <a:r>
+              <a:rPr lang="en-US" sz="1800" dirty="0">
+                <a:solidFill>
+                  <a:schemeClr val="tx1"/>
+                </a:solidFill>
+              </a:rPr>
+              <a:t>Quiz:</a:t>
+            </a:r>
+          </a:p>
+          <a:p>
+            <a:pPr algn="l">
+              <a:buClr>
+                <a:srgbClr val="0070C0"/>
+              </a:buClr>
+              <a:buSzPct val="80000"/>
+            </a:pPr>
+            <a:endParaRPr lang="en-US" sz="1800" dirty="0">
+              <a:solidFill>
+                <a:schemeClr val="tx1"/>
+              </a:solidFill>
+            </a:endParaRPr>
+          </a:p>
+        </p:txBody>
+      </p:sp>
+      <p:sp>
+        <p:nvSpPr>
+          <p:cNvPr id="4" name="標題 1"/>
+          <p:cNvSpPr txBox="1">
+            <a:spLocks/>
+          </p:cNvSpPr>
+          <p:nvPr/>
+        </p:nvSpPr>
+        <p:spPr>
+          <a:xfrm>
+            <a:off x="0" y="764704"/>
+            <a:ext cx="9144000" cy="398616"/>
+          </a:xfrm>
+          <a:prstGeom prst="rect">
+            <a:avLst/>
+          </a:prstGeom>
+          <a:gradFill flip="none" rotWithShape="1">
+            <a:gsLst>
+              <a:gs pos="0">
+                <a:srgbClr val="00B0F0">
+                  <a:shade val="30000"/>
+                  <a:satMod val="115000"/>
+                </a:srgbClr>
+              </a:gs>
+              <a:gs pos="50000">
+                <a:srgbClr val="00B0F0">
+                  <a:shade val="67500"/>
+                  <a:satMod val="115000"/>
+                </a:srgbClr>
+              </a:gs>
+              <a:gs pos="100000">
+                <a:srgbClr val="00B0F0">
+                  <a:shade val="100000"/>
+                  <a:satMod val="115000"/>
+                </a:srgbClr>
+              </a:gs>
+            </a:gsLst>
+            <a:path path="circle">
+              <a:fillToRect t="100000" r="100000"/>
+            </a:path>
+            <a:tileRect l="-100000" b="-100000"/>
+          </a:gradFill>
+        </p:spPr>
+        <p:txBody>
+          <a:bodyPr vert="horz" lIns="91440" tIns="45720" rIns="91440" bIns="45720" rtlCol="0" anchor="ctr">
+            <a:normAutofit/>
+          </a:bodyPr>
+          <a:lstStyle/>
+          <a:p>
+            <a:pPr marL="0" lvl="1"/>
+            <a:r>
+              <a:rPr lang="en-US" sz="1600" dirty="0">
+                <a:hlinkClick r:id="rId2"/>
+              </a:rPr>
+              <a:t>https://www.ucsc-extension.edu/certificate-program/offering/python-programmers</a:t>
+            </a:r>
+            <a:endParaRPr lang="en-US" sz="1600" dirty="0"/>
+          </a:p>
+        </p:txBody>
+      </p:sp>
+      <p:sp>
+        <p:nvSpPr>
+          <p:cNvPr id="5" name="日期版面配置區 4"/>
+          <p:cNvSpPr>
+            <a:spLocks noGrp="1"/>
+          </p:cNvSpPr>
+          <p:nvPr>
+            <p:ph type="dt" sz="half" idx="10"/>
+          </p:nvPr>
+        </p:nvSpPr>
+        <p:spPr>
+          <a:xfrm>
+            <a:off x="457200" y="6356350"/>
+            <a:ext cx="2133600" cy="404246"/>
+          </a:xfrm>
+        </p:spPr>
+        <p:txBody>
+          <a:bodyPr/>
+          <a:lstStyle/>
+          <a:p>
+            <a:fld id="{A4F910E6-8D00-4BAF-8C48-9688E0B449D3}" type="datetime1">
+              <a:rPr lang="zh-TW" altLang="en-US" smtClean="0"/>
+              <a:pPr/>
+              <a:t>2019/6/22</a:t>
+            </a:fld>
+            <a:endParaRPr lang="zh-TW" altLang="en-US"/>
+          </a:p>
+        </p:txBody>
+      </p:sp>
+      <p:sp>
+        <p:nvSpPr>
+          <p:cNvPr id="6" name="投影片編號版面配置區 5"/>
+          <p:cNvSpPr>
+            <a:spLocks noGrp="1"/>
+          </p:cNvSpPr>
+          <p:nvPr>
+            <p:ph type="sldNum" sz="quarter" idx="12"/>
+          </p:nvPr>
+        </p:nvSpPr>
+        <p:spPr>
+          <a:xfrm>
+            <a:off x="6553200" y="6356350"/>
+            <a:ext cx="2133600" cy="404246"/>
+          </a:xfrm>
+        </p:spPr>
+        <p:txBody>
+          <a:bodyPr/>
+          <a:lstStyle/>
+          <a:p>
+            <a:fld id="{E4D7E63D-91F2-4366-A2C4-1B00C9E2590E}" type="slidenum">
+              <a:rPr lang="zh-TW" altLang="en-US" smtClean="0"/>
+              <a:pPr/>
+              <a:t>2</a:t>
+            </a:fld>
+            <a:endParaRPr lang="zh-TW" altLang="en-US"/>
+          </a:p>
+        </p:txBody>
+      </p:sp>
+      <p:pic>
+        <p:nvPicPr>
+          <p:cNvPr id="7" name="Picture 6">
+            <a:extLst>
+              <a:ext uri="{FF2B5EF4-FFF2-40B4-BE49-F238E27FC236}">
+                <a16:creationId xmlns:a16="http://schemas.microsoft.com/office/drawing/2014/main" id="{B2E04838-9518-4327-A12B-77A1683ED3C3}"/>
+              </a:ext>
+            </a:extLst>
+          </p:cNvPr>
+          <p:cNvPicPr>
+            <a:picLocks noChangeAspect="1"/>
+          </p:cNvPicPr>
+          <p:nvPr/>
+        </p:nvPicPr>
+        <p:blipFill>
+          <a:blip r:embed="rId3"/>
+          <a:stretch>
+            <a:fillRect/>
+          </a:stretch>
+        </p:blipFill>
+        <p:spPr>
+          <a:xfrm>
+            <a:off x="1287252" y="1981446"/>
+            <a:ext cx="6660232" cy="4111850"/>
+          </a:xfrm>
+          <a:prstGeom prst="rect">
+            <a:avLst/>
+          </a:prstGeom>
+          <a:ln>
+            <a:solidFill>
+              <a:srgbClr val="C00000"/>
+            </a:solidFill>
+          </a:ln>
+        </p:spPr>
+      </p:pic>
+    </p:spTree>
+  </p:cSld>
+  <p:clrMapOvr>
+    <a:masterClrMapping/>
+  </p:clrMapOvr>
+</p:sld>
+</file>
+
+<file path=ppt/slides/slide3.xml><?xml version="1.0" encoding="utf-8"?>
+<p:sld xmlns:a="http://schemas.openxmlformats.org/drawingml/2006/main" xmlns:r="http://schemas.openxmlformats.org/officeDocument/2006/relationships" xmlns:p="http://schemas.openxmlformats.org/presentationml/2006/main">
+  <p:cSld>
+    <p:spTree>
+      <p:nvGrpSpPr>
+        <p:cNvPr id="1" name=""/>
+        <p:cNvGrpSpPr/>
+        <p:nvPr/>
+      </p:nvGrpSpPr>
+      <p:grpSpPr>
+        <a:xfrm>
+          <a:off x="0" y="0"/>
+          <a:ext cx="0" cy="0"/>
+          <a:chOff x="0" y="0"/>
+          <a:chExt cx="0" cy="0"/>
+        </a:xfrm>
+      </p:grpSpPr>
+      <p:sp>
+        <p:nvSpPr>
+          <p:cNvPr id="2" name="標題 1"/>
+          <p:cNvSpPr>
+            <a:spLocks noGrp="1"/>
+          </p:cNvSpPr>
+          <p:nvPr>
+            <p:ph type="ctrTitle"/>
+          </p:nvPr>
+        </p:nvSpPr>
+        <p:spPr>
+          <a:xfrm>
+            <a:off x="0" y="1"/>
+            <a:ext cx="9144000" cy="764704"/>
+          </a:xfrm>
+          <a:gradFill flip="none" rotWithShape="1">
+            <a:gsLst>
+              <a:gs pos="0">
+                <a:srgbClr val="C00000">
+                  <a:shade val="30000"/>
+                  <a:satMod val="115000"/>
+                </a:srgbClr>
+              </a:gs>
+              <a:gs pos="50000">
+                <a:srgbClr val="C00000">
+                  <a:shade val="67500"/>
+                  <a:satMod val="115000"/>
+                </a:srgbClr>
+              </a:gs>
+              <a:gs pos="100000">
+                <a:srgbClr val="C00000">
+                  <a:shade val="100000"/>
+                  <a:satMod val="115000"/>
+                </a:srgbClr>
+              </a:gs>
+            </a:gsLst>
+            <a:path path="circle">
+              <a:fillToRect t="100000" r="100000"/>
+            </a:path>
+            <a:tileRect l="-100000" b="-100000"/>
+          </a:gradFill>
+        </p:spPr>
+        <p:txBody>
+          <a:bodyPr/>
+          <a:lstStyle/>
+          <a:p>
+            <a:pPr algn="l"/>
+            <a:r>
+              <a:rPr lang="en-US" altLang="zh-TW" b="1" dirty="0">
+                <a:solidFill>
+                  <a:srgbClr val="FFFF00"/>
+                </a:solidFill>
+              </a:rPr>
+              <a:t>06 Quiz</a:t>
+            </a:r>
+            <a:endParaRPr lang="zh-TW" altLang="en-US" b="1" dirty="0">
+              <a:solidFill>
+                <a:srgbClr val="FFFF00"/>
+              </a:solidFill>
+            </a:endParaRPr>
+          </a:p>
+        </p:txBody>
+      </p:sp>
+      <p:sp>
+        <p:nvSpPr>
+          <p:cNvPr id="3" name="副標題 2"/>
+          <p:cNvSpPr>
+            <a:spLocks noGrp="1"/>
+          </p:cNvSpPr>
+          <p:nvPr>
+            <p:ph type="subTitle" idx="1"/>
+          </p:nvPr>
+        </p:nvSpPr>
+        <p:spPr>
+          <a:xfrm>
+            <a:off x="501534" y="1372852"/>
+            <a:ext cx="8185266" cy="398616"/>
+          </a:xfrm>
+          <a:ln>
+            <a:solidFill>
+              <a:srgbClr val="C00000"/>
+            </a:solidFill>
+          </a:ln>
+        </p:spPr>
+        <p:txBody>
+          <a:bodyPr>
+            <a:noAutofit/>
+          </a:bodyPr>
+          <a:lstStyle/>
+          <a:p>
+            <a:pPr marL="342900" indent="-342900" algn="l">
+              <a:buClr>
+                <a:srgbClr val="0070C0"/>
+              </a:buClr>
+              <a:buSzPct val="80000"/>
+              <a:buFont typeface="Wingdings" pitchFamily="2" charset="2"/>
+              <a:buChar char="u"/>
+            </a:pPr>
+            <a:r>
+              <a:rPr lang="en-US" sz="1800" dirty="0">
+                <a:solidFill>
+                  <a:schemeClr val="tx1"/>
+                </a:solidFill>
+              </a:rPr>
+              <a:t>Quiz:</a:t>
+            </a:r>
+          </a:p>
+          <a:p>
+            <a:pPr algn="l">
+              <a:buClr>
+                <a:srgbClr val="0070C0"/>
+              </a:buClr>
+              <a:buSzPct val="80000"/>
+            </a:pPr>
+            <a:endParaRPr lang="en-US" sz="1800" dirty="0">
+              <a:solidFill>
+                <a:schemeClr val="tx1"/>
+              </a:solidFill>
+            </a:endParaRPr>
+          </a:p>
+        </p:txBody>
+      </p:sp>
+      <p:sp>
+        <p:nvSpPr>
+          <p:cNvPr id="4" name="標題 1"/>
+          <p:cNvSpPr txBox="1">
+            <a:spLocks/>
+          </p:cNvSpPr>
+          <p:nvPr/>
+        </p:nvSpPr>
+        <p:spPr>
+          <a:xfrm>
+            <a:off x="0" y="764704"/>
+            <a:ext cx="9144000" cy="398616"/>
+          </a:xfrm>
+          <a:prstGeom prst="rect">
+            <a:avLst/>
+          </a:prstGeom>
+          <a:gradFill flip="none" rotWithShape="1">
+            <a:gsLst>
+              <a:gs pos="0">
+                <a:srgbClr val="00B0F0">
+                  <a:shade val="30000"/>
+                  <a:satMod val="115000"/>
+                </a:srgbClr>
+              </a:gs>
+              <a:gs pos="50000">
+                <a:srgbClr val="00B0F0">
+                  <a:shade val="67500"/>
+                  <a:satMod val="115000"/>
+                </a:srgbClr>
+              </a:gs>
+              <a:gs pos="100000">
+                <a:srgbClr val="00B0F0">
+                  <a:shade val="100000"/>
+                  <a:satMod val="115000"/>
+                </a:srgbClr>
+              </a:gs>
+            </a:gsLst>
+            <a:path path="circle">
+              <a:fillToRect t="100000" r="100000"/>
+            </a:path>
+            <a:tileRect l="-100000" b="-100000"/>
+          </a:gradFill>
+        </p:spPr>
+        <p:txBody>
+          <a:bodyPr vert="horz" lIns="91440" tIns="45720" rIns="91440" bIns="45720" rtlCol="0" anchor="ctr">
+            <a:normAutofit/>
+          </a:bodyPr>
+          <a:lstStyle/>
+          <a:p>
+            <a:pPr marL="0" lvl="1"/>
+            <a:r>
+              <a:rPr lang="en-US" sz="1600" dirty="0">
+                <a:hlinkClick r:id="rId2"/>
+              </a:rPr>
+              <a:t>https://www.ucsc-extension.edu/certificate-program/offering/python-programmers</a:t>
+            </a:r>
+            <a:endParaRPr lang="en-US" sz="1600" dirty="0"/>
+          </a:p>
+        </p:txBody>
+      </p:sp>
+      <p:sp>
+        <p:nvSpPr>
+          <p:cNvPr id="5" name="日期版面配置區 4"/>
+          <p:cNvSpPr>
+            <a:spLocks noGrp="1"/>
+          </p:cNvSpPr>
+          <p:nvPr>
+            <p:ph type="dt" sz="half" idx="10"/>
+          </p:nvPr>
+        </p:nvSpPr>
+        <p:spPr>
+          <a:xfrm>
+            <a:off x="457200" y="6356350"/>
+            <a:ext cx="2133600" cy="404246"/>
+          </a:xfrm>
+        </p:spPr>
+        <p:txBody>
+          <a:bodyPr/>
+          <a:lstStyle/>
+          <a:p>
+            <a:fld id="{A4F910E6-8D00-4BAF-8C48-9688E0B449D3}" type="datetime1">
+              <a:rPr lang="zh-TW" altLang="en-US" smtClean="0"/>
+              <a:pPr/>
+              <a:t>2019/6/22</a:t>
+            </a:fld>
+            <a:endParaRPr lang="zh-TW" altLang="en-US"/>
+          </a:p>
+        </p:txBody>
+      </p:sp>
+      <p:sp>
+        <p:nvSpPr>
+          <p:cNvPr id="6" name="投影片編號版面配置區 5"/>
+          <p:cNvSpPr>
+            <a:spLocks noGrp="1"/>
+          </p:cNvSpPr>
+          <p:nvPr>
+            <p:ph type="sldNum" sz="quarter" idx="12"/>
+          </p:nvPr>
+        </p:nvSpPr>
+        <p:spPr>
+          <a:xfrm>
+            <a:off x="6553200" y="6356350"/>
+            <a:ext cx="2133600" cy="404246"/>
+          </a:xfrm>
+        </p:spPr>
+        <p:txBody>
+          <a:bodyPr/>
+          <a:lstStyle/>
+          <a:p>
+            <a:fld id="{E4D7E63D-91F2-4366-A2C4-1B00C9E2590E}" type="slidenum">
+              <a:rPr lang="zh-TW" altLang="en-US" smtClean="0"/>
+              <a:pPr/>
+              <a:t>3</a:t>
+            </a:fld>
+            <a:endParaRPr lang="zh-TW" altLang="en-US"/>
+          </a:p>
+        </p:txBody>
+      </p:sp>
+      <p:pic>
+        <p:nvPicPr>
+          <p:cNvPr id="8" name="Picture 7">
+            <a:extLst>
+              <a:ext uri="{FF2B5EF4-FFF2-40B4-BE49-F238E27FC236}">
+                <a16:creationId xmlns:a16="http://schemas.microsoft.com/office/drawing/2014/main" id="{61F060F0-9E27-47D1-A0C2-9111C715BC99}"/>
+              </a:ext>
+            </a:extLst>
+          </p:cNvPr>
+          <p:cNvPicPr>
+            <a:picLocks noChangeAspect="1"/>
+          </p:cNvPicPr>
+          <p:nvPr/>
+        </p:nvPicPr>
+        <p:blipFill>
+          <a:blip r:embed="rId3"/>
+          <a:stretch>
+            <a:fillRect/>
+          </a:stretch>
+        </p:blipFill>
+        <p:spPr>
+          <a:xfrm>
+            <a:off x="1524000" y="1981000"/>
+            <a:ext cx="6153150" cy="3857625"/>
           </a:xfrm>
           <a:prstGeom prst="rect">
             <a:avLst/>
@@ -4400,7 +5318,7 @@
                   <a:srgbClr val="FFFF00"/>
                 </a:solidFill>
               </a:rPr>
-              <a:t>02 Quiz</a:t>
+              <a:t>06 Quiz</a:t>
             </a:r>
             <a:endParaRPr lang="zh-TW" altLang="en-US" b="1" dirty="0">
               <a:solidFill>
@@ -4552,7 +5470,7 @@
             <a:fld id="{A4F910E6-8D00-4BAF-8C48-9688E0B449D3}" type="datetime1">
               <a:rPr lang="zh-TW" altLang="en-US" smtClean="0"/>
               <a:pPr/>
-              <a:t>2019/6/15</a:t>
+              <a:t>2019/6/22</a:t>
             </a:fld>
             <a:endParaRPr lang="zh-TW" altLang="en-US"/>
           </a:p>
@@ -4589,10 +5507,10 @@
       </p:sp>
       <p:pic>
         <p:nvPicPr>
-          <p:cNvPr id="8" name="Picture 7">
+          <p:cNvPr id="7" name="Picture 6">
             <a:extLst>
               <a:ext uri="{FF2B5EF4-FFF2-40B4-BE49-F238E27FC236}">
-                <a16:creationId xmlns:a16="http://schemas.microsoft.com/office/drawing/2014/main" id="{B34ACCE6-9617-4E35-8520-B52EA03D8E97}"/>
+                <a16:creationId xmlns:a16="http://schemas.microsoft.com/office/drawing/2014/main" id="{945E8B06-1F51-4237-B99C-4F32DF468C9D}"/>
               </a:ext>
             </a:extLst>
           </p:cNvPr>
@@ -4609,8 +5527,8 @@
         </p:blipFill>
         <p:spPr>
           <a:xfrm>
-            <a:off x="2915816" y="1372852"/>
-            <a:ext cx="4370782" cy="5229200"/>
+            <a:off x="1572419" y="1981000"/>
+            <a:ext cx="6029325" cy="4229100"/>
           </a:xfrm>
           <a:prstGeom prst="rect">
             <a:avLst/>
@@ -4625,7 +5543,7 @@
     </p:spTree>
     <p:extLst>
       <p:ext uri="{BB962C8B-B14F-4D97-AF65-F5344CB8AC3E}">
-        <p14:creationId xmlns:p14="http://schemas.microsoft.com/office/powerpoint/2010/main" val="2180787045"/>
+        <p14:creationId xmlns:p14="http://schemas.microsoft.com/office/powerpoint/2010/main" val="2412481624"/>
       </p:ext>
     </p:extLst>
   </p:cSld>
@@ -4705,7 +5623,7 @@
                   <a:srgbClr val="FFFF00"/>
                 </a:solidFill>
               </a:rPr>
-              <a:t>02 Quiz</a:t>
+              <a:t>06 Quiz</a:t>
             </a:r>
             <a:endParaRPr lang="zh-TW" altLang="en-US" b="1" dirty="0">
               <a:solidFill>
@@ -4857,7 +5775,7 @@
             <a:fld id="{A4F910E6-8D00-4BAF-8C48-9688E0B449D3}" type="datetime1">
               <a:rPr lang="zh-TW" altLang="en-US" smtClean="0"/>
               <a:pPr/>
-              <a:t>2019/6/15</a:t>
+              <a:t>2019/6/22</a:t>
             </a:fld>
             <a:endParaRPr lang="zh-TW" altLang="en-US"/>
           </a:p>
@@ -4894,10 +5812,10 @@
       </p:sp>
       <p:pic>
         <p:nvPicPr>
-          <p:cNvPr id="7" name="Picture 6">
+          <p:cNvPr id="8" name="Picture 7">
             <a:extLst>
               <a:ext uri="{FF2B5EF4-FFF2-40B4-BE49-F238E27FC236}">
-                <a16:creationId xmlns:a16="http://schemas.microsoft.com/office/drawing/2014/main" id="{2D6C5965-29A2-4730-A5FE-545AD98E808A}"/>
+                <a16:creationId xmlns:a16="http://schemas.microsoft.com/office/drawing/2014/main" id="{CC272C88-B273-48E0-B7A5-4709A7BDACE2}"/>
               </a:ext>
             </a:extLst>
           </p:cNvPr>
@@ -4914,8 +5832,8 @@
         </p:blipFill>
         <p:spPr>
           <a:xfrm>
-            <a:off x="1619672" y="1963646"/>
-            <a:ext cx="5686425" cy="4200525"/>
+            <a:off x="1403648" y="2159471"/>
+            <a:ext cx="6124575" cy="3933825"/>
           </a:xfrm>
           <a:prstGeom prst="rect">
             <a:avLst/>
@@ -4930,7 +5848,7 @@
     </p:spTree>
     <p:extLst>
       <p:ext uri="{BB962C8B-B14F-4D97-AF65-F5344CB8AC3E}">
-        <p14:creationId xmlns:p14="http://schemas.microsoft.com/office/powerpoint/2010/main" val="1666544943"/>
+        <p14:creationId xmlns:p14="http://schemas.microsoft.com/office/powerpoint/2010/main" val="1388111250"/>
       </p:ext>
     </p:extLst>
   </p:cSld>
@@ -5010,7 +5928,7 @@
                   <a:srgbClr val="FFFF00"/>
                 </a:solidFill>
               </a:rPr>
-              <a:t>02 Quiz</a:t>
+              <a:t>06 Quiz</a:t>
             </a:r>
             <a:endParaRPr lang="zh-TW" altLang="en-US" b="1" dirty="0">
               <a:solidFill>
@@ -5162,7 +6080,7 @@
             <a:fld id="{A4F910E6-8D00-4BAF-8C48-9688E0B449D3}" type="datetime1">
               <a:rPr lang="zh-TW" altLang="en-US" smtClean="0"/>
               <a:pPr/>
-              <a:t>2019/6/15</a:t>
+              <a:t>2019/6/22</a:t>
             </a:fld>
             <a:endParaRPr lang="zh-TW" altLang="en-US"/>
           </a:p>
@@ -5199,10 +6117,10 @@
       </p:sp>
       <p:pic>
         <p:nvPicPr>
-          <p:cNvPr id="8" name="Picture 7">
+          <p:cNvPr id="7" name="Picture 6">
             <a:extLst>
               <a:ext uri="{FF2B5EF4-FFF2-40B4-BE49-F238E27FC236}">
-                <a16:creationId xmlns:a16="http://schemas.microsoft.com/office/drawing/2014/main" id="{4B22B6D1-5FEF-4087-AA6A-0CACC4629D25}"/>
+                <a16:creationId xmlns:a16="http://schemas.microsoft.com/office/drawing/2014/main" id="{21DF4378-B99E-402D-8290-25D251A4B4BA}"/>
               </a:ext>
             </a:extLst>
           </p:cNvPr>
@@ -5219,8 +6137,8 @@
         </p:blipFill>
         <p:spPr>
           <a:xfrm>
-            <a:off x="1503203" y="2292821"/>
-            <a:ext cx="5724525" cy="3800475"/>
+            <a:off x="1490531" y="2115208"/>
+            <a:ext cx="6086475" cy="3390900"/>
           </a:xfrm>
           <a:prstGeom prst="rect">
             <a:avLst/>
@@ -5235,7 +6153,7 @@
     </p:spTree>
     <p:extLst>
       <p:ext uri="{BB962C8B-B14F-4D97-AF65-F5344CB8AC3E}">
-        <p14:creationId xmlns:p14="http://schemas.microsoft.com/office/powerpoint/2010/main" val="4145574443"/>
+        <p14:creationId xmlns:p14="http://schemas.microsoft.com/office/powerpoint/2010/main" val="1284339232"/>
       </p:ext>
     </p:extLst>
   </p:cSld>
@@ -5315,7 +6233,7 @@
                   <a:srgbClr val="FFFF00"/>
                 </a:solidFill>
               </a:rPr>
-              <a:t>02 Quiz</a:t>
+              <a:t>06 Quiz</a:t>
             </a:r>
             <a:endParaRPr lang="zh-TW" altLang="en-US" b="1" dirty="0">
               <a:solidFill>
@@ -5467,7 +6385,7 @@
             <a:fld id="{A4F910E6-8D00-4BAF-8C48-9688E0B449D3}" type="datetime1">
               <a:rPr lang="zh-TW" altLang="en-US" smtClean="0"/>
               <a:pPr/>
-              <a:t>2019/6/15</a:t>
+              <a:t>2019/6/22</a:t>
             </a:fld>
             <a:endParaRPr lang="zh-TW" altLang="en-US"/>
           </a:p>
@@ -5504,10 +6422,10 @@
       </p:sp>
       <p:pic>
         <p:nvPicPr>
-          <p:cNvPr id="7" name="Picture 6">
+          <p:cNvPr id="8" name="Picture 7">
             <a:extLst>
               <a:ext uri="{FF2B5EF4-FFF2-40B4-BE49-F238E27FC236}">
-                <a16:creationId xmlns:a16="http://schemas.microsoft.com/office/drawing/2014/main" id="{78148CA1-2851-4021-BB66-44CA6EFEA910}"/>
+                <a16:creationId xmlns:a16="http://schemas.microsoft.com/office/drawing/2014/main" id="{CB17622F-2D43-400E-BFFE-1BA7D870A5BE}"/>
               </a:ext>
             </a:extLst>
           </p:cNvPr>
@@ -5524,8 +6442,8 @@
         </p:blipFill>
         <p:spPr>
           <a:xfrm>
-            <a:off x="2059055" y="1882523"/>
-            <a:ext cx="4527971" cy="4362771"/>
+            <a:off x="1483398" y="2058937"/>
+            <a:ext cx="6134100" cy="3448050"/>
           </a:xfrm>
           <a:prstGeom prst="rect">
             <a:avLst/>
@@ -5540,7 +6458,7 @@
     </p:spTree>
     <p:extLst>
       <p:ext uri="{BB962C8B-B14F-4D97-AF65-F5344CB8AC3E}">
-        <p14:creationId xmlns:p14="http://schemas.microsoft.com/office/powerpoint/2010/main" val="982375074"/>
+        <p14:creationId xmlns:p14="http://schemas.microsoft.com/office/powerpoint/2010/main" val="1569930725"/>
       </p:ext>
     </p:extLst>
   </p:cSld>
@@ -5620,7 +6538,7 @@
                   <a:srgbClr val="FFFF00"/>
                 </a:solidFill>
               </a:rPr>
-              <a:t>02 Quiz</a:t>
+              <a:t>06 Quiz</a:t>
             </a:r>
             <a:endParaRPr lang="zh-TW" altLang="en-US" b="1" dirty="0">
               <a:solidFill>
@@ -5772,7 +6690,7 @@
             <a:fld id="{A4F910E6-8D00-4BAF-8C48-9688E0B449D3}" type="datetime1">
               <a:rPr lang="zh-TW" altLang="en-US" smtClean="0"/>
               <a:pPr/>
-              <a:t>2019/6/15</a:t>
+              <a:t>2019/6/22</a:t>
             </a:fld>
             <a:endParaRPr lang="zh-TW" altLang="en-US"/>
           </a:p>
@@ -5809,10 +6727,10 @@
       </p:sp>
       <p:pic>
         <p:nvPicPr>
-          <p:cNvPr id="8" name="Picture 7">
+          <p:cNvPr id="7" name="Picture 6">
             <a:extLst>
               <a:ext uri="{FF2B5EF4-FFF2-40B4-BE49-F238E27FC236}">
-                <a16:creationId xmlns:a16="http://schemas.microsoft.com/office/drawing/2014/main" id="{DA309CAA-0558-4D80-9C3F-F01946C9FCC9}"/>
+                <a16:creationId xmlns:a16="http://schemas.microsoft.com/office/drawing/2014/main" id="{614D53AE-0848-4C83-96B4-FBFC31629EF4}"/>
               </a:ext>
             </a:extLst>
           </p:cNvPr>
@@ -5829,8 +6747,8 @@
         </p:blipFill>
         <p:spPr>
           <a:xfrm>
-            <a:off x="1690687" y="1941746"/>
-            <a:ext cx="5762625" cy="4181475"/>
+            <a:off x="1524000" y="1936676"/>
+            <a:ext cx="6172200" cy="4610100"/>
           </a:xfrm>
           <a:prstGeom prst="rect">
             <a:avLst/>
@@ -5845,7 +6763,7 @@
     </p:spTree>
     <p:extLst>
       <p:ext uri="{BB962C8B-B14F-4D97-AF65-F5344CB8AC3E}">
-        <p14:creationId xmlns:p14="http://schemas.microsoft.com/office/powerpoint/2010/main" val="3860684633"/>
+        <p14:creationId xmlns:p14="http://schemas.microsoft.com/office/powerpoint/2010/main" val="3568602627"/>
       </p:ext>
     </p:extLst>
   </p:cSld>
@@ -5925,7 +6843,7 @@
                   <a:srgbClr val="FFFF00"/>
                 </a:solidFill>
               </a:rPr>
-              <a:t>02 Quiz</a:t>
+              <a:t>06 Quiz</a:t>
             </a:r>
             <a:endParaRPr lang="zh-TW" altLang="en-US" b="1" dirty="0">
               <a:solidFill>
@@ -6077,7 +6995,7 @@
             <a:fld id="{A4F910E6-8D00-4BAF-8C48-9688E0B449D3}" type="datetime1">
               <a:rPr lang="zh-TW" altLang="en-US" smtClean="0"/>
               <a:pPr/>
-              <a:t>2019/6/15</a:t>
+              <a:t>2019/6/22</a:t>
             </a:fld>
             <a:endParaRPr lang="zh-TW" altLang="en-US"/>
           </a:p>
@@ -6114,10 +7032,10 @@
       </p:sp>
       <p:pic>
         <p:nvPicPr>
-          <p:cNvPr id="7" name="Picture 6">
+          <p:cNvPr id="8" name="Picture 7">
             <a:extLst>
               <a:ext uri="{FF2B5EF4-FFF2-40B4-BE49-F238E27FC236}">
-                <a16:creationId xmlns:a16="http://schemas.microsoft.com/office/drawing/2014/main" id="{7A13644A-F66E-4A4A-8BA5-730512934F5E}"/>
+                <a16:creationId xmlns:a16="http://schemas.microsoft.com/office/drawing/2014/main" id="{04A862D8-2041-4694-8A44-9D1B22D79488}"/>
               </a:ext>
             </a:extLst>
           </p:cNvPr>
@@ -6134,8 +7052,8 @@
         </p:blipFill>
         <p:spPr>
           <a:xfrm>
-            <a:off x="2119898" y="1896300"/>
-            <a:ext cx="4441105" cy="4859941"/>
+            <a:off x="1619672" y="1910215"/>
+            <a:ext cx="5576159" cy="4648258"/>
           </a:xfrm>
           <a:prstGeom prst="rect">
             <a:avLst/>
@@ -6150,7 +7068,7 @@
     </p:spTree>
     <p:extLst>
       <p:ext uri="{BB962C8B-B14F-4D97-AF65-F5344CB8AC3E}">
-        <p14:creationId xmlns:p14="http://schemas.microsoft.com/office/powerpoint/2010/main" val="3029762762"/>
+        <p14:creationId xmlns:p14="http://schemas.microsoft.com/office/powerpoint/2010/main" val="209072188"/>
       </p:ext>
     </p:extLst>
   </p:cSld>
